--- a/work/wk_1Peter3_3_7.pptx
+++ b/work/wk_1Peter3_3_7.pptx
@@ -8014,7 +8014,7 @@
               <a:rPr lang="en-US" altLang="zh-CN" sz="3200" dirty="0">
                 <a:sym typeface="+mn-ea"/>
               </a:rPr>
-              <a:t>The Story About Sarah:</a:t>
+              <a:t>More Story About Sarah:</a:t>
             </a:r>
             <a:endParaRPr lang="zh-CN" altLang="en-US" sz="3200" dirty="0">
               <a:sym typeface="+mn-ea"/>
@@ -8426,7 +8426,7 @@
               <a:rPr lang="en-US" altLang="zh-CN" sz="3200" dirty="0">
                 <a:sym typeface="+mn-ea"/>
               </a:rPr>
-              <a:t> to Abraham and gives her servant to him to </a:t>
+              <a:t> to Abraham and gives him her servant to </a:t>
             </a:r>
             <a:r>
               <a:rPr lang="en-US" altLang="zh-CN" sz="3200" dirty="0">
@@ -8441,7 +8441,7 @@
               <a:rPr lang="en-US" altLang="zh-CN" sz="3200" dirty="0">
                 <a:sym typeface="+mn-ea"/>
               </a:rPr>
-              <a:t> him get a child. (Gen16:2)</a:t>
+              <a:t> her husband get a child. (Gen16:2)</a:t>
             </a:r>
             <a:endParaRPr lang="zh-CN" altLang="en-US" sz="3200" dirty="0">
               <a:solidFill>
@@ -9393,7 +9393,7 @@
                 </a:highlight>
                 <a:sym typeface="+mn-ea"/>
               </a:rPr>
-              <a:t> = </a:t>
+              <a:t> = (</a:t>
             </a:r>
             <a:r>
               <a:rPr lang="ja-JP" altLang="en-US" sz="3200" b="1">
@@ -9402,7 +9402,7 @@
                 </a:highlight>
                 <a:sym typeface="+mn-ea"/>
               </a:rPr>
-              <a:t>情理</a:t>
+              <a:t>情</a:t>
             </a:r>
             <a:r>
               <a:rPr lang="en-US" altLang="ja-JP" sz="3200" b="1" dirty="0">
@@ -9411,7 +9411,25 @@
                 </a:highlight>
                 <a:sym typeface="+mn-ea"/>
               </a:rPr>
-              <a:t> = (</a:t>
+              <a:t> + </a:t>
+            </a:r>
+            <a:r>
+              <a:rPr lang="ja-JP" altLang="en-US" sz="3200" b="1">
+                <a:highlight>
+                  <a:srgbClr val="C0C0C0"/>
+                </a:highlight>
+                <a:sym typeface="+mn-ea"/>
+              </a:rPr>
+              <a:t>理</a:t>
+            </a:r>
+            <a:r>
+              <a:rPr lang="en-US" altLang="ja-JP" sz="3200" b="1" dirty="0">
+                <a:highlight>
+                  <a:srgbClr val="C0C0C0"/>
+                </a:highlight>
+                <a:sym typeface="+mn-ea"/>
+              </a:rPr>
+              <a:t>) = (</a:t>
             </a:r>
             <a:r>
               <a:rPr lang="ja-JP" altLang="en-US" sz="3200" b="1">
